--- a/rus/SkillFactory/Презентации/Презентация 1.08.pptx
+++ b/rus/SkillFactory/Презентации/Презентация 1.08.pptx
@@ -33,29 +33,29 @@
   <p:notesSz cx="6858000" cy="9144000"/>
   <p:embeddedFontLst>
     <p:embeddedFont>
-      <p:font typeface="Verdana" panose="020B0604030504040204" pitchFamily="34" charset="0"/>
+      <p:font typeface="Montserrat" panose="00000500000000000000" pitchFamily="2" charset="0"/>
       <p:regular r:id="rId23"/>
       <p:bold r:id="rId24"/>
       <p:italic r:id="rId25"/>
       <p:boldItalic r:id="rId26"/>
     </p:embeddedFont>
     <p:embeddedFont>
-      <p:font typeface="Montserrat" panose="020B0604020202020204" charset="-52"/>
-      <p:regular r:id="rId27"/>
-      <p:bold r:id="rId28"/>
-      <p:italic r:id="rId29"/>
-      <p:boldItalic r:id="rId30"/>
+      <p:font typeface="Montserrat Black" panose="00000A00000000000000" pitchFamily="2" charset="0"/>
+      <p:bold r:id="rId27"/>
+      <p:boldItalic r:id="rId28"/>
     </p:embeddedFont>
     <p:embeddedFont>
       <p:font typeface="Source Sans Pro" panose="020B0503030403020204" pitchFamily="34" charset="0"/>
-      <p:regular r:id="rId31"/>
-      <p:bold r:id="rId32"/>
-      <p:italic r:id="rId33"/>
-      <p:boldItalic r:id="rId34"/>
+      <p:regular r:id="rId29"/>
+      <p:bold r:id="rId30"/>
+      <p:italic r:id="rId31"/>
+      <p:boldItalic r:id="rId32"/>
     </p:embeddedFont>
     <p:embeddedFont>
-      <p:font typeface="Montserrat Black" panose="020B0604020202020204" charset="-52"/>
-      <p:bold r:id="rId35"/>
+      <p:font typeface="Verdana" panose="020B0604030504040204" pitchFamily="34" charset="0"/>
+      <p:regular r:id="rId33"/>
+      <p:bold r:id="rId34"/>
+      <p:italic r:id="rId35"/>
       <p:boldItalic r:id="rId36"/>
     </p:embeddedFont>
   </p:embeddedFontLst>
@@ -18944,7 +18944,7 @@
           </a:p>
           <a:p>
             <a:r>
-              <a:rPr lang="ru-RU" sz="3990" dirty="0" smtClean="0">
+              <a:rPr lang="ru-RU" sz="3990" dirty="0">
                 <a:solidFill>
                   <a:schemeClr val="bg1"/>
                 </a:solidFill>
@@ -18962,23 +18962,8 @@
                 </a:solidFill>
                 <a:latin typeface="Montserrat Black"/>
               </a:rPr>
-              <a:t>Логистическая </a:t>
-            </a:r>
-            <a:r>
-              <a:rPr lang="ru-RU" sz="3990" dirty="0" smtClean="0">
-                <a:solidFill>
-                  <a:schemeClr val="bg1"/>
-                </a:solidFill>
-                <a:latin typeface="Montserrat Black"/>
-              </a:rPr>
-              <a:t>Регрессия. Часть 2</a:t>
-            </a:r>
-            <a:endParaRPr lang="ru-RU" sz="3990" dirty="0">
-              <a:solidFill>
-                <a:schemeClr val="bg1"/>
-              </a:solidFill>
-              <a:latin typeface="Montserrat Black"/>
-            </a:endParaRPr>
+              <a:t>Логистическая Регрессия. Часть 2</a:t>
+            </a:r>
           </a:p>
         </p:txBody>
       </p:sp>
@@ -21236,7 +21221,7 @@
           <a:p>
             <a:pPr lvl="0"/>
             <a:r>
-              <a:rPr lang="ru-RU" sz="1197" dirty="0" smtClean="0">
+              <a:rPr lang="ru-RU" sz="1197" dirty="0">
                 <a:solidFill>
                   <a:schemeClr val="bg1"/>
                 </a:solidFill>
@@ -21245,29 +21230,8 @@
                 <a:cs typeface="Montserrat Black"/>
                 <a:sym typeface="Montserrat Black"/>
               </a:rPr>
-              <a:t>1.8 </a:t>
-            </a:r>
-            <a:r>
-              <a:rPr lang="ru-RU" sz="1197" dirty="0" smtClean="0">
-                <a:solidFill>
-                  <a:schemeClr val="bg1"/>
-                </a:solidFill>
-                <a:latin typeface="Montserrat Black"/>
-                <a:ea typeface="Montserrat Black"/>
-                <a:cs typeface="Montserrat Black"/>
-                <a:sym typeface="Montserrat Black"/>
-              </a:rPr>
-              <a:t>Логистическая Регрессия</a:t>
-            </a:r>
-            <a:endParaRPr lang="ru-RU" sz="1197" dirty="0">
-              <a:solidFill>
-                <a:schemeClr val="bg1"/>
-              </a:solidFill>
-              <a:latin typeface="Montserrat Black"/>
-              <a:ea typeface="Montserrat Black"/>
-              <a:cs typeface="Montserrat Black"/>
-              <a:sym typeface="Montserrat Black"/>
-            </a:endParaRPr>
+              <a:t>1.8 Логистическая Регрессия</a:t>
+            </a:r>
           </a:p>
         </p:txBody>
       </p:sp>
@@ -22301,7 +22265,7 @@
           <a:lstStyle/>
           <a:p>
             <a:r>
-              <a:rPr lang="en-US" sz="2400" dirty="0" err="1" smtClean="0">
+              <a:rPr lang="en-US" sz="2400" dirty="0" err="1">
                 <a:solidFill>
                   <a:srgbClr val="D4D4D4"/>
                 </a:solidFill>
@@ -22310,7 +22274,7 @@
               <a:t>y_predict_p</a:t>
             </a:r>
             <a:r>
-              <a:rPr lang="en-US" sz="2400" dirty="0" smtClean="0">
+              <a:rPr lang="en-US" sz="2400" dirty="0">
                 <a:solidFill>
                   <a:srgbClr val="D4D4D4"/>
                 </a:solidFill>
@@ -22319,7 +22283,7 @@
               <a:t>=</a:t>
             </a:r>
             <a:r>
-              <a:rPr lang="en-US" sz="2400" dirty="0" err="1" smtClean="0">
+              <a:rPr lang="en-US" sz="2400" dirty="0" err="1">
                 <a:solidFill>
                   <a:srgbClr val="D4D4D4"/>
                 </a:solidFill>
@@ -22328,7 +22292,7 @@
               <a:t>LogReg.predict_proba</a:t>
             </a:r>
             <a:r>
-              <a:rPr lang="en-US" sz="2400" dirty="0" smtClean="0">
+              <a:rPr lang="en-US" sz="2400" dirty="0">
                 <a:solidFill>
                   <a:srgbClr val="DCDCDC"/>
                 </a:solidFill>
@@ -22337,7 +22301,7 @@
               <a:t>(</a:t>
             </a:r>
             <a:r>
-              <a:rPr lang="en-US" sz="2400" dirty="0" smtClean="0">
+              <a:rPr lang="en-US" sz="2400" dirty="0">
                 <a:solidFill>
                   <a:srgbClr val="D4D4D4"/>
                 </a:solidFill>
@@ -23338,7 +23302,7 @@
           <a:lstStyle/>
           <a:p>
             <a:r>
-              <a:rPr lang="es-ES" sz="2800" dirty="0" smtClean="0">
+              <a:rPr lang="es-ES" sz="2800" dirty="0">
                 <a:solidFill>
                   <a:srgbClr val="D4D4D4"/>
                 </a:solidFill>
@@ -23347,7 +23311,7 @@
               <a:t>acc</a:t>
             </a:r>
             <a:r>
-              <a:rPr lang="es-ES" sz="2800" dirty="0" smtClean="0">
+              <a:rPr lang="es-ES" sz="2800" dirty="0">
                 <a:solidFill>
                   <a:srgbClr val="DCDCDC"/>
                 </a:solidFill>
@@ -23356,7 +23320,7 @@
               <a:t>(</a:t>
             </a:r>
             <a:r>
-              <a:rPr lang="es-ES" sz="2800" dirty="0" smtClean="0">
+              <a:rPr lang="es-ES" sz="2800" dirty="0">
                 <a:solidFill>
                   <a:srgbClr val="D4D4D4"/>
                 </a:solidFill>
@@ -23374,7 +23338,7 @@
               <a:t>,</a:t>
             </a:r>
             <a:r>
-              <a:rPr lang="es-ES" sz="2800" dirty="0" smtClean="0">
+              <a:rPr lang="es-ES" sz="2800" dirty="0">
                 <a:solidFill>
                   <a:srgbClr val="D4D4D4"/>
                 </a:solidFill>
@@ -23383,7 +23347,7 @@
               <a:t>y_predict</a:t>
             </a:r>
             <a:r>
-              <a:rPr lang="es-ES" sz="2800" dirty="0" smtClean="0">
+              <a:rPr lang="es-ES" sz="2800" dirty="0">
                 <a:solidFill>
                   <a:srgbClr val="DCDCDC"/>
                 </a:solidFill>
@@ -23429,7 +23393,7 @@
           <a:lstStyle/>
           <a:p>
             <a:r>
-              <a:rPr lang="es-ES" sz="2800" dirty="0" smtClean="0">
+              <a:rPr lang="es-ES" sz="2800" dirty="0">
                 <a:solidFill>
                   <a:srgbClr val="D4D4D4"/>
                 </a:solidFill>
@@ -23438,7 +23402,7 @@
               <a:t>f1</a:t>
             </a:r>
             <a:r>
-              <a:rPr lang="es-ES" sz="2800" dirty="0" smtClean="0">
+              <a:rPr lang="es-ES" sz="2800" dirty="0">
                 <a:solidFill>
                   <a:srgbClr val="DCDCDC"/>
                 </a:solidFill>
@@ -23456,7 +23420,7 @@
               <a:t>y_test</a:t>
             </a:r>
             <a:r>
-              <a:rPr lang="es-ES" sz="2800" dirty="0" smtClean="0">
+              <a:rPr lang="es-ES" sz="2800" dirty="0">
                 <a:solidFill>
                   <a:srgbClr val="DCDCDC"/>
                 </a:solidFill>
@@ -23465,7 +23429,7 @@
               <a:t>,</a:t>
             </a:r>
             <a:r>
-              <a:rPr lang="es-ES" sz="2800" dirty="0" smtClean="0">
+              <a:rPr lang="es-ES" sz="2800" dirty="0">
                 <a:solidFill>
                   <a:srgbClr val="D4D4D4"/>
                 </a:solidFill>
@@ -23474,7 +23438,7 @@
               <a:t> y_predict</a:t>
             </a:r>
             <a:r>
-              <a:rPr lang="es-ES" sz="2800" dirty="0" smtClean="0">
+              <a:rPr lang="es-ES" sz="2800" dirty="0">
                 <a:solidFill>
                   <a:srgbClr val="DCDCDC"/>
                 </a:solidFill>
@@ -23940,17 +23904,7 @@
                 <a:latin typeface="Montserrat" panose="020B0604020202020204" charset="-52"/>
                 <a:ea typeface="Verdana" panose="020B0604030504040204" pitchFamily="34" charset="0"/>
               </a:rPr>
-              <a:t>Про </a:t>
-            </a:r>
-            <a:r>
-              <a:rPr lang="ru-RU" sz="3200" b="1" dirty="0" smtClean="0">
-                <a:solidFill>
-                  <a:schemeClr val="bg1"/>
-                </a:solidFill>
-                <a:latin typeface="Montserrat" panose="020B0604020202020204" charset="-52"/>
-                <a:ea typeface="Verdana" panose="020B0604030504040204" pitchFamily="34" charset="0"/>
-              </a:rPr>
-              <a:t>Метрики (Красивое)</a:t>
+              <a:t>Про Метрики (Красивое)</a:t>
             </a:r>
             <a:endParaRPr lang="ru-RU" sz="3200" dirty="0">
               <a:solidFill>
@@ -24103,7 +24057,7 @@
               <a:t> </a:t>
             </a:r>
             <a:r>
-              <a:rPr lang="en-US" sz="2400" dirty="0" err="1" smtClean="0">
+              <a:rPr lang="en-US" sz="2400" dirty="0" err="1">
                 <a:solidFill>
                   <a:srgbClr val="D4D4D4"/>
                 </a:solidFill>
@@ -24112,7 +24066,7 @@
               <a:t>target_names</a:t>
             </a:r>
             <a:r>
-              <a:rPr lang="en-US" sz="2400" dirty="0" smtClean="0">
+              <a:rPr lang="en-US" sz="2400" dirty="0">
                 <a:solidFill>
                   <a:srgbClr val="DCDCDC"/>
                 </a:solidFill>
@@ -24259,6 +24213,47 @@
           </a:prstGeom>
         </p:spPr>
       </p:pic>
+      <p:sp>
+        <p:nvSpPr>
+          <p:cNvPr id="3" name="TextBox 2">
+            <a:extLst>
+              <a:ext uri="{FF2B5EF4-FFF2-40B4-BE49-F238E27FC236}">
+                <a16:creationId xmlns:a16="http://schemas.microsoft.com/office/drawing/2014/main" id="{8E41B6C8-2FFB-DFD9-FD7E-543ED052B4CA}"/>
+              </a:ext>
+            </a:extLst>
+          </p:cNvPr>
+          <p:cNvSpPr txBox="1"/>
+          <p:nvPr/>
+        </p:nvSpPr>
+        <p:spPr>
+          <a:xfrm>
+            <a:off x="0" y="6562262"/>
+            <a:ext cx="12340672" cy="276999"/>
+          </a:xfrm>
+          <a:prstGeom prst="rect">
+            <a:avLst/>
+          </a:prstGeom>
+          <a:noFill/>
+        </p:spPr>
+        <p:txBody>
+          <a:bodyPr wrap="square">
+            <a:spAutoFit/>
+          </a:bodyPr>
+          <a:lstStyle/>
+          <a:p>
+            <a:r>
+              <a:rPr lang="en-US" sz="1200" dirty="0">
+                <a:hlinkClick r:id="rId5"/>
+              </a:rPr>
+              <a:t>https://datascience.stackexchange.com/questions/65839/macro-average-and-weighted-average-meaning-in-classification-report</a:t>
+            </a:r>
+            <a:r>
+              <a:rPr lang="en-US" sz="1200" dirty="0"/>
+              <a:t> </a:t>
+            </a:r>
+          </a:p>
+        </p:txBody>
+      </p:sp>
     </p:spTree>
     <p:extLst>
       <p:ext uri="{BB962C8B-B14F-4D97-AF65-F5344CB8AC3E}">
@@ -24661,7 +24656,7 @@
               <a:buNone/>
             </a:pPr>
             <a:r>
-              <a:rPr lang="ru-RU" sz="3200" b="1" dirty="0" smtClean="0">
+              <a:rPr lang="ru-RU" sz="3200" b="1" dirty="0">
                 <a:solidFill>
                   <a:schemeClr val="bg1"/>
                 </a:solidFill>
@@ -24856,15 +24851,6 @@
             </a:r>
           </a:p>
           <a:p>
-            <a:r>
-              <a:rPr lang="tr-TR" sz="2400" dirty="0">
-                <a:solidFill>
-                  <a:srgbClr val="D4D4D4"/>
-                </a:solidFill>
-                <a:latin typeface="Courier New" panose="02070309020205020404" pitchFamily="49" charset="0"/>
-              </a:rPr>
-              <a:t/>
-            </a:r>
             <a:br>
               <a:rPr lang="tr-TR" sz="2400" dirty="0">
                 <a:solidFill>
@@ -25347,15 +25333,6 @@
             </a:endParaRPr>
           </a:p>
           <a:p>
-            <a:r>
-              <a:rPr lang="tr-TR" sz="2000" dirty="0">
-                <a:solidFill>
-                  <a:srgbClr val="D4D4D4"/>
-                </a:solidFill>
-                <a:latin typeface="Courier New" panose="02070309020205020404" pitchFamily="49" charset="0"/>
-              </a:rPr>
-              <a:t/>
-            </a:r>
             <a:br>
               <a:rPr lang="tr-TR" sz="2000" dirty="0">
                 <a:solidFill>
@@ -26316,22 +26293,13 @@
               <a:t> </a:t>
             </a:r>
             <a:r>
-              <a:rPr lang="tr-TR" dirty="0" smtClean="0">
+              <a:rPr lang="tr-TR" dirty="0">
                 <a:solidFill>
                   <a:srgbClr val="CE9178"/>
                 </a:solidFill>
                 <a:latin typeface="Courier New" panose="02070309020205020404" pitchFamily="49" charset="0"/>
               </a:rPr>
-              <a:t>'F1</a:t>
-            </a:r>
-            <a:r>
-              <a:rPr lang="tr-TR" dirty="0">
-                <a:solidFill>
-                  <a:srgbClr val="CE9178"/>
-                </a:solidFill>
-                <a:latin typeface="Courier New" panose="02070309020205020404" pitchFamily="49" charset="0"/>
-              </a:rPr>
-              <a:t>'</a:t>
+              <a:t>'F1'</a:t>
             </a:r>
             <a:r>
               <a:rPr lang="tr-TR" dirty="0">
@@ -27023,7 +26991,7 @@
 </file>
 
 <file path=ppt/slides/slide16.xml><?xml version="1.0" encoding="utf-8"?>
-<p:sld xmlns:a="http://schemas.openxmlformats.org/drawingml/2006/main" xmlns:r="http://schemas.openxmlformats.org/officeDocument/2006/relationships" xmlns:p="http://schemas.openxmlformats.org/presentationml/2006/main">
+<p:sld xmlns:a="http://schemas.openxmlformats.org/drawingml/2006/main" xmlns:r="http://schemas.openxmlformats.org/officeDocument/2006/relationships" xmlns:p="http://schemas.openxmlformats.org/presentationml/2006/main" show="0">
   <p:cSld>
     <p:spTree>
       <p:nvGrpSpPr>
@@ -27092,7 +27060,7 @@
           <a:p>
             <a:pPr lvl="0" algn="ctr"/>
             <a:r>
-              <a:rPr lang="ru-RU" sz="3600" b="1" dirty="0" smtClean="0">
+              <a:rPr lang="ru-RU" sz="3600" b="1" dirty="0">
                 <a:solidFill>
                   <a:schemeClr val="tx1"/>
                 </a:solidFill>
@@ -27101,8 +27069,11 @@
                 <a:cs typeface="Montserrat Black"/>
                 <a:sym typeface="Montserrat Black"/>
               </a:rPr>
-              <a:t>Логистическая </a:t>
-            </a:r>
+              <a:t>Логистическая Регрессия на </a:t>
+            </a:r>
+          </a:p>
+          <a:p>
+            <a:pPr lvl="0" algn="ctr"/>
             <a:r>
               <a:rPr lang="ru-RU" sz="3600" b="1" dirty="0">
                 <a:solidFill>
@@ -27113,22 +27084,13 @@
                 <a:cs typeface="Montserrat Black"/>
                 <a:sym typeface="Montserrat Black"/>
               </a:rPr>
-              <a:t>Регрессия на </a:t>
-            </a:r>
-            <a:endParaRPr lang="ru-RU" sz="3600" b="1" dirty="0" smtClean="0">
-              <a:solidFill>
-                <a:schemeClr val="tx1"/>
-              </a:solidFill>
-              <a:latin typeface="Montserrat" panose="020B0604020202020204" charset="-52"/>
-              <a:ea typeface="Montserrat Black"/>
-              <a:cs typeface="Montserrat Black"/>
-              <a:sym typeface="Montserrat Black"/>
-            </a:endParaRPr>
+              <a:t>Реальных  данных про Машинки</a:t>
+            </a:r>
           </a:p>
           <a:p>
             <a:pPr lvl="0" algn="ctr"/>
             <a:r>
-              <a:rPr lang="ru-RU" sz="3600" b="1" dirty="0" smtClean="0">
+              <a:rPr lang="en-US" sz="3600" b="1" dirty="0" err="1">
                 <a:solidFill>
                   <a:schemeClr val="tx1"/>
                 </a:solidFill>
@@ -27137,25 +27099,10 @@
                 <a:cs typeface="Montserrat Black"/>
                 <a:sym typeface="Montserrat Black"/>
               </a:rPr>
-              <a:t>Реальных  данных про Машинки</a:t>
-            </a:r>
-          </a:p>
-          <a:p>
-            <a:pPr lvl="0" algn="ctr"/>
-            <a:r>
-              <a:rPr lang="en-US" sz="3600" b="1" dirty="0" err="1" smtClean="0">
-                <a:solidFill>
-                  <a:schemeClr val="tx1"/>
-                </a:solidFill>
-                <a:latin typeface="Montserrat" panose="020B0604020202020204" charset="-52"/>
-                <a:ea typeface="Montserrat Black"/>
-                <a:cs typeface="Montserrat Black"/>
-                <a:sym typeface="Montserrat Black"/>
-              </a:rPr>
               <a:t>Scikit</a:t>
             </a:r>
             <a:r>
-              <a:rPr lang="en-US" sz="3600" b="1" dirty="0" smtClean="0">
+              <a:rPr lang="en-US" sz="3600" b="1" dirty="0">
                 <a:solidFill>
                   <a:schemeClr val="tx1"/>
                 </a:solidFill>
@@ -27402,19 +27349,12 @@
               <a:rPr lang="en-US" sz="2800" dirty="0">
                 <a:hlinkClick r:id="rId4"/>
               </a:rPr>
-              <a:t>https://</a:t>
-            </a:r>
-            <a:r>
-              <a:rPr lang="en-US" sz="2800" dirty="0" smtClean="0">
-                <a:hlinkClick r:id="rId4"/>
-              </a:rPr>
-              <a:t>colab.research.google.com/drive/1Wg0X8uBbw3fWz-Tn0rpw_5E7r2r8AlTc?usp=sharing</a:t>
-            </a:r>
-            <a:r>
-              <a:rPr lang="ru-RU" sz="2800" dirty="0" smtClean="0"/>
+              <a:t>https://colab.research.google.com/drive/1Wg0X8uBbw3fWz-Tn0rpw_5E7r2r8AlTc?usp=sharing</a:t>
+            </a:r>
+            <a:r>
+              <a:rPr lang="ru-RU" sz="2800" dirty="0"/>
               <a:t> </a:t>
             </a:r>
-            <a:endParaRPr lang="ru-RU" sz="2800" dirty="0"/>
           </a:p>
         </p:txBody>
       </p:sp>
@@ -29615,7 +29555,7 @@
           <a:p>
             <a:pPr lvl="0"/>
             <a:r>
-              <a:rPr lang="ru-RU" sz="1197" dirty="0" smtClean="0">
+              <a:rPr lang="ru-RU" sz="1197" dirty="0">
                 <a:solidFill>
                   <a:schemeClr val="bg1"/>
                 </a:solidFill>
@@ -29624,29 +29564,8 @@
                 <a:cs typeface="Montserrat Black"/>
                 <a:sym typeface="Montserrat Black"/>
               </a:rPr>
-              <a:t>1.8 </a:t>
-            </a:r>
-            <a:r>
-              <a:rPr lang="ru-RU" sz="1197" dirty="0" smtClean="0">
-                <a:solidFill>
-                  <a:schemeClr val="bg1"/>
-                </a:solidFill>
-                <a:latin typeface="Montserrat Black"/>
-                <a:ea typeface="Montserrat Black"/>
-                <a:cs typeface="Montserrat Black"/>
-                <a:sym typeface="Montserrat Black"/>
-              </a:rPr>
-              <a:t>Логистическая Регрессия</a:t>
-            </a:r>
-            <a:endParaRPr lang="ru-RU" sz="1197" dirty="0">
-              <a:solidFill>
-                <a:schemeClr val="bg1"/>
-              </a:solidFill>
-              <a:latin typeface="Montserrat Black"/>
-              <a:ea typeface="Montserrat Black"/>
-              <a:cs typeface="Montserrat Black"/>
-              <a:sym typeface="Montserrat Black"/>
-            </a:endParaRPr>
+              <a:t>1.8 Логистическая Регрессия</a:t>
+            </a:r>
           </a:p>
         </p:txBody>
       </p:sp>
@@ -29660,13 +29579,6 @@
   <p:clrMapOvr>
     <a:masterClrMapping/>
   </p:clrMapOvr>
-  <p:timing>
-    <p:tnLst>
-      <p:par>
-        <p:cTn id="1" dur="indefinite" restart="never" nodeType="tmRoot"/>
-      </p:par>
-    </p:tnLst>
-  </p:timing>
 </p:sld>
 </file>
 
@@ -29991,7 +29903,7 @@
               <a:buChar char="•"/>
             </a:pPr>
             <a:r>
-              <a:rPr lang="ru-RU" sz="2000" dirty="0" smtClean="0">
+              <a:rPr lang="ru-RU" sz="2000" dirty="0">
                 <a:solidFill>
                   <a:schemeClr val="bg1"/>
                 </a:solidFill>
@@ -30000,13 +29912,6 @@
               </a:rPr>
               <a:t>В основном наследуем от Алгоритма линейной регрессии</a:t>
             </a:r>
-            <a:endParaRPr lang="ru-RU" sz="2000" dirty="0">
-              <a:solidFill>
-                <a:schemeClr val="bg1"/>
-              </a:solidFill>
-              <a:latin typeface="Montserrat" panose="020B0604020202020204" charset="-52"/>
-              <a:ea typeface="Verdana" panose="020B0604030504040204" pitchFamily="34" charset="0"/>
-            </a:endParaRPr>
           </a:p>
           <a:p>
             <a:pPr marL="478764" indent="-380019">
@@ -30068,7 +29973,7 @@
               <a:buChar char="•"/>
             </a:pPr>
             <a:r>
-              <a:rPr lang="ru-RU" sz="2000" dirty="0" smtClean="0">
+              <a:rPr lang="ru-RU" sz="2000" dirty="0">
                 <a:solidFill>
                   <a:schemeClr val="bg1"/>
                 </a:solidFill>
@@ -30078,7 +29983,7 @@
               <a:t>Все тот же </a:t>
             </a:r>
             <a:r>
-              <a:rPr lang="en-US" sz="2000" dirty="0" smtClean="0">
+              <a:rPr lang="en-US" sz="2000" dirty="0">
                 <a:solidFill>
                   <a:schemeClr val="bg1"/>
                 </a:solidFill>
@@ -30088,7 +29993,7 @@
               <a:t>fit / predict </a:t>
             </a:r>
             <a:r>
-              <a:rPr lang="ru-RU" sz="2000" dirty="0" smtClean="0">
+              <a:rPr lang="ru-RU" sz="2000" dirty="0">
                 <a:solidFill>
                   <a:schemeClr val="bg1"/>
                 </a:solidFill>
@@ -30107,7 +30012,7 @@
               <a:buChar char="•"/>
             </a:pPr>
             <a:r>
-              <a:rPr lang="ru-RU" sz="2000" dirty="0" smtClean="0">
+              <a:rPr lang="ru-RU" sz="2000" dirty="0">
                 <a:solidFill>
                   <a:schemeClr val="bg1"/>
                 </a:solidFill>
@@ -30116,13 +30021,6 @@
               </a:rPr>
               <a:t>Поинтересней с метриками</a:t>
             </a:r>
-            <a:endParaRPr lang="ru-RU" sz="2000" dirty="0">
-              <a:solidFill>
-                <a:schemeClr val="bg1"/>
-              </a:solidFill>
-              <a:latin typeface="Montserrat" panose="020B0604020202020204" charset="-52"/>
-              <a:ea typeface="Verdana" panose="020B0604030504040204" pitchFamily="34" charset="0"/>
-            </a:endParaRPr>
           </a:p>
         </p:txBody>
       </p:sp>
@@ -30218,7 +30116,7 @@
 </file>
 
 <file path=ppt/slides/slide19.xml><?xml version="1.0" encoding="utf-8"?>
-<p:sld xmlns:a="http://schemas.openxmlformats.org/drawingml/2006/main" xmlns:r="http://schemas.openxmlformats.org/officeDocument/2006/relationships" xmlns:p="http://schemas.openxmlformats.org/presentationml/2006/main">
+<p:sld xmlns:a="http://schemas.openxmlformats.org/drawingml/2006/main" xmlns:r="http://schemas.openxmlformats.org/officeDocument/2006/relationships" xmlns:p="http://schemas.openxmlformats.org/presentationml/2006/main" show="0">
   <p:cSld>
     <p:spTree>
       <p:nvGrpSpPr>
@@ -30731,7 +30629,7 @@
               <a:buChar char="o"/>
             </a:pPr>
             <a:r>
-              <a:rPr lang="ru-RU" sz="2261" dirty="0" smtClean="0">
+              <a:rPr lang="ru-RU" sz="2261" dirty="0">
                 <a:solidFill>
                   <a:schemeClr val="bg1"/>
                 </a:solidFill>
@@ -30758,7 +30656,7 @@
               <a:buChar char="o"/>
             </a:pPr>
             <a:r>
-              <a:rPr lang="ru-RU" sz="2261" dirty="0" smtClean="0">
+              <a:rPr lang="ru-RU" sz="2261" dirty="0">
                 <a:solidFill>
                   <a:schemeClr val="bg1"/>
                 </a:solidFill>
@@ -30767,19 +30665,7 @@
                 <a:cs typeface="Montserrat"/>
                 <a:sym typeface="Montserrat"/>
               </a:rPr>
-              <a:t>Библиотечная </a:t>
-            </a:r>
-            <a:r>
-              <a:rPr lang="ru-RU" sz="2261" dirty="0">
-                <a:solidFill>
-                  <a:schemeClr val="bg1"/>
-                </a:solidFill>
-                <a:latin typeface="Montserrat"/>
-                <a:ea typeface="Montserrat"/>
-                <a:cs typeface="Montserrat"/>
-                <a:sym typeface="Montserrat"/>
-              </a:rPr>
-              <a:t>реализация </a:t>
+              <a:t>Библиотечная реализация </a:t>
             </a:r>
             <a:r>
               <a:rPr lang="en-US" sz="2261" dirty="0" err="1">
@@ -30821,7 +30707,7 @@
               <a:buChar char="o"/>
             </a:pPr>
             <a:r>
-              <a:rPr lang="ru-RU" sz="2261" dirty="0" smtClean="0">
+              <a:rPr lang="ru-RU" sz="2261" dirty="0">
                 <a:solidFill>
                   <a:schemeClr val="bg1"/>
                 </a:solidFill>
@@ -32751,7 +32637,7 @@
           <a:p>
             <a:pPr lvl="0"/>
             <a:r>
-              <a:rPr lang="ru-RU" sz="1197" dirty="0" smtClean="0">
+              <a:rPr lang="ru-RU" sz="1197" dirty="0">
                 <a:solidFill>
                   <a:schemeClr val="bg1"/>
                 </a:solidFill>
@@ -32760,29 +32646,8 @@
                 <a:cs typeface="Montserrat Black"/>
                 <a:sym typeface="Montserrat Black"/>
               </a:rPr>
-              <a:t>1.8 </a:t>
-            </a:r>
-            <a:r>
-              <a:rPr lang="ru-RU" sz="1197" dirty="0" smtClean="0">
-                <a:solidFill>
-                  <a:schemeClr val="bg1"/>
-                </a:solidFill>
-                <a:latin typeface="Montserrat Black"/>
-                <a:ea typeface="Montserrat Black"/>
-                <a:cs typeface="Montserrat Black"/>
-                <a:sym typeface="Montserrat Black"/>
-              </a:rPr>
-              <a:t>Логистическая Регрессия</a:t>
-            </a:r>
-            <a:endParaRPr lang="ru-RU" sz="1197" dirty="0">
-              <a:solidFill>
-                <a:schemeClr val="bg1"/>
-              </a:solidFill>
-              <a:latin typeface="Montserrat Black"/>
-              <a:ea typeface="Montserrat Black"/>
-              <a:cs typeface="Montserrat Black"/>
-              <a:sym typeface="Montserrat Black"/>
-            </a:endParaRPr>
+              <a:t>1.8 Логистическая Регрессия</a:t>
+            </a:r>
           </a:p>
         </p:txBody>
       </p:sp>
@@ -32811,118 +32676,6 @@
           <a:chExt cx="0" cy="0"/>
         </a:xfrm>
       </p:grpSpPr>
-      <p:sp>
-        <p:nvSpPr>
-          <p:cNvPr id="196" name="Google Shape;196;p31"/>
-          <p:cNvSpPr txBox="1"/>
-          <p:nvPr/>
-        </p:nvSpPr>
-        <p:spPr>
-          <a:xfrm>
-            <a:off x="2378853" y="1924679"/>
-            <a:ext cx="8091344" cy="756469"/>
-          </a:xfrm>
-          <a:prstGeom prst="rect">
-            <a:avLst/>
-          </a:prstGeom>
-          <a:noFill/>
-          <a:ln>
-            <a:noFill/>
-          </a:ln>
-        </p:spPr>
-        <p:txBody>
-          <a:bodyPr spcFirstLastPara="1" wrap="square" lIns="0" tIns="0" rIns="121590" bIns="121590" anchor="t" anchorCtr="0">
-            <a:noAutofit/>
-          </a:bodyPr>
-          <a:lstStyle/>
-          <a:p>
-            <a:r>
-              <a:rPr lang="en-US" sz="3200" dirty="0">
-                <a:solidFill>
-                  <a:schemeClr val="bg2"/>
-                </a:solidFill>
-              </a:rPr>
-              <a:t>https://miro.com/app/board/uXjVPHHTjvc=/</a:t>
-            </a:r>
-            <a:endParaRPr lang="ru-RU" sz="3200" dirty="0">
-              <a:solidFill>
-                <a:schemeClr val="bg2"/>
-              </a:solidFill>
-            </a:endParaRPr>
-          </a:p>
-        </p:txBody>
-      </p:sp>
-      <p:sp>
-        <p:nvSpPr>
-          <p:cNvPr id="197" name="Google Shape;197;p31"/>
-          <p:cNvSpPr txBox="1"/>
-          <p:nvPr/>
-        </p:nvSpPr>
-        <p:spPr>
-          <a:xfrm>
-            <a:off x="1983319" y="929543"/>
-            <a:ext cx="8375419" cy="980738"/>
-          </a:xfrm>
-          <a:prstGeom prst="rect">
-            <a:avLst/>
-          </a:prstGeom>
-          <a:noFill/>
-          <a:ln>
-            <a:noFill/>
-          </a:ln>
-        </p:spPr>
-        <p:txBody>
-          <a:bodyPr spcFirstLastPara="1" wrap="square" lIns="121590" tIns="121590" rIns="121590" bIns="121590" anchor="t" anchorCtr="0">
-            <a:noAutofit/>
-          </a:bodyPr>
-          <a:lstStyle/>
-          <a:p>
-            <a:pPr algn="ctr"/>
-            <a:r>
-              <a:rPr lang="en-US" sz="4788" dirty="0" err="1">
-                <a:solidFill>
-                  <a:srgbClr val="F3F3F3"/>
-                </a:solidFill>
-                <a:latin typeface="Montserrat Black"/>
-                <a:ea typeface="Montserrat Black"/>
-                <a:cs typeface="Montserrat Black"/>
-                <a:sym typeface="Montserrat Black"/>
-              </a:rPr>
-              <a:t>Ваши</a:t>
-            </a:r>
-            <a:r>
-              <a:rPr lang="en-US" sz="4788" dirty="0">
-                <a:solidFill>
-                  <a:srgbClr val="F3F3F3"/>
-                </a:solidFill>
-                <a:latin typeface="Montserrat Black"/>
-                <a:ea typeface="Montserrat Black"/>
-                <a:cs typeface="Montserrat Black"/>
-                <a:sym typeface="Montserrat Black"/>
-              </a:rPr>
-              <a:t> </a:t>
-            </a:r>
-            <a:r>
-              <a:rPr lang="en-US" sz="4788" dirty="0" err="1">
-                <a:solidFill>
-                  <a:srgbClr val="F3F3F3"/>
-                </a:solidFill>
-                <a:latin typeface="Montserrat Black"/>
-                <a:ea typeface="Montserrat Black"/>
-                <a:cs typeface="Montserrat Black"/>
-                <a:sym typeface="Montserrat Black"/>
-              </a:rPr>
-              <a:t>вопросы</a:t>
-            </a:r>
-            <a:endParaRPr sz="4788" dirty="0">
-              <a:latin typeface="Montserrat Black"/>
-              <a:ea typeface="Montserrat Black"/>
-              <a:cs typeface="Montserrat Black"/>
-              <a:sym typeface="Montserrat Black"/>
-            </a:endParaRPr>
-          </a:p>
-        </p:txBody>
-      </p:sp>
       <p:pic>
         <p:nvPicPr>
           <p:cNvPr id="199" name="Google Shape;199;p31"/>
@@ -35214,7 +34967,7 @@
           <a:p>
             <a:pPr lvl="0"/>
             <a:r>
-              <a:rPr lang="ru-RU" sz="1197" dirty="0" smtClean="0">
+              <a:rPr lang="ru-RU" sz="1197" dirty="0">
                 <a:solidFill>
                   <a:schemeClr val="bg1"/>
                 </a:solidFill>
@@ -35223,29 +34976,8 @@
                 <a:cs typeface="Montserrat Black"/>
                 <a:sym typeface="Montserrat Black"/>
               </a:rPr>
-              <a:t>1.8 </a:t>
-            </a:r>
-            <a:r>
-              <a:rPr lang="ru-RU" sz="1197" dirty="0" smtClean="0">
-                <a:solidFill>
-                  <a:schemeClr val="bg1"/>
-                </a:solidFill>
-                <a:latin typeface="Montserrat Black"/>
-                <a:ea typeface="Montserrat Black"/>
-                <a:cs typeface="Montserrat Black"/>
-                <a:sym typeface="Montserrat Black"/>
-              </a:rPr>
-              <a:t>Логистическая Регрессия</a:t>
-            </a:r>
-            <a:endParaRPr lang="ru-RU" sz="1197" dirty="0">
-              <a:solidFill>
-                <a:schemeClr val="bg1"/>
-              </a:solidFill>
-              <a:latin typeface="Montserrat Black"/>
-              <a:ea typeface="Montserrat Black"/>
-              <a:cs typeface="Montserrat Black"/>
-              <a:sym typeface="Montserrat Black"/>
-            </a:endParaRPr>
+              <a:t>1.8 Логистическая Регрессия</a:t>
+            </a:r>
           </a:p>
         </p:txBody>
       </p:sp>
@@ -36197,50 +35929,6 @@
       </p:sp>
       <p:sp>
         <p:nvSpPr>
-          <p:cNvPr id="14" name="TextBox 13">
-            <a:extLst>
-              <a:ext uri="{FF2B5EF4-FFF2-40B4-BE49-F238E27FC236}">
-                <a16:creationId xmlns:a16="http://schemas.microsoft.com/office/drawing/2014/main" id="{B1FA3EA1-F613-40D7-8C2C-0D0243D612D4}"/>
-              </a:ext>
-            </a:extLst>
-          </p:cNvPr>
-          <p:cNvSpPr txBox="1"/>
-          <p:nvPr/>
-        </p:nvSpPr>
-        <p:spPr>
-          <a:xfrm>
-            <a:off x="2576235" y="5636764"/>
-            <a:ext cx="8296592" cy="523220"/>
-          </a:xfrm>
-          <a:prstGeom prst="rect">
-            <a:avLst/>
-          </a:prstGeom>
-          <a:noFill/>
-        </p:spPr>
-        <p:txBody>
-          <a:bodyPr wrap="square">
-            <a:spAutoFit/>
-          </a:bodyPr>
-          <a:lstStyle/>
-          <a:p>
-            <a:r>
-              <a:rPr lang="en-US" sz="2800" dirty="0">
-                <a:solidFill>
-                  <a:schemeClr val="bg2"/>
-                </a:solidFill>
-              </a:rPr>
-              <a:t>https://miro.com/app/board/uXjVPHHTjvc=/</a:t>
-            </a:r>
-            <a:endParaRPr lang="ru-RU" sz="2800" dirty="0">
-              <a:solidFill>
-                <a:schemeClr val="bg2"/>
-              </a:solidFill>
-            </a:endParaRPr>
-          </a:p>
-        </p:txBody>
-      </p:sp>
-      <p:sp>
-        <p:nvSpPr>
           <p:cNvPr id="15" name="Google Shape;139;p26">
             <a:extLst>
               <a:ext uri="{FF2B5EF4-FFF2-40B4-BE49-F238E27FC236}">
@@ -37625,7 +37313,7 @@
           <a:p>
             <a:pPr algn="ctr"/>
             <a:r>
-              <a:rPr lang="ru-RU" sz="1596" dirty="0" smtClean="0">
+              <a:rPr lang="ru-RU" sz="1596" dirty="0">
                 <a:solidFill>
                   <a:schemeClr val="bg1"/>
                 </a:solidFill>
@@ -38414,6 +38102,51 @@
               </a:rPr>
               <a:t>Алгоритм логистической регрессии своими руками</a:t>
             </a:r>
+            <a:r>
+              <a:rPr lang="en-US" sz="2261" b="1" dirty="0">
+                <a:solidFill>
+                  <a:schemeClr val="bg1"/>
+                </a:solidFill>
+                <a:latin typeface="Montserrat"/>
+                <a:ea typeface="Montserrat"/>
+                <a:cs typeface="Montserrat"/>
+                <a:sym typeface="Montserrat"/>
+              </a:rPr>
+              <a:t> (</a:t>
+            </a:r>
+            <a:r>
+              <a:rPr lang="ru-RU" sz="2261" b="1" dirty="0">
+                <a:solidFill>
+                  <a:schemeClr val="bg1"/>
+                </a:solidFill>
+                <a:latin typeface="Montserrat"/>
+                <a:ea typeface="Montserrat"/>
+                <a:cs typeface="Montserrat"/>
+                <a:sym typeface="Montserrat"/>
+              </a:rPr>
+              <a:t>ноутбуки</a:t>
+            </a:r>
+            <a:r>
+              <a:rPr lang="en-US" sz="2261" b="1" dirty="0">
+                <a:solidFill>
+                  <a:schemeClr val="bg1"/>
+                </a:solidFill>
+                <a:latin typeface="Montserrat"/>
+                <a:ea typeface="Montserrat"/>
+                <a:cs typeface="Montserrat"/>
+                <a:sym typeface="Montserrat"/>
+              </a:rPr>
+              <a:t>)</a:t>
+            </a:r>
+            <a:endParaRPr lang="ru-RU" sz="2261" b="1" dirty="0">
+              <a:solidFill>
+                <a:schemeClr val="bg1"/>
+              </a:solidFill>
+              <a:latin typeface="Montserrat"/>
+              <a:ea typeface="Montserrat"/>
+              <a:cs typeface="Montserrat"/>
+              <a:sym typeface="Montserrat"/>
+            </a:endParaRPr>
           </a:p>
           <a:p>
             <a:pPr marL="478764" indent="-380019">
@@ -40411,7 +40144,7 @@
           <a:p>
             <a:pPr lvl="0"/>
             <a:r>
-              <a:rPr lang="ru-RU" sz="1197" dirty="0" smtClean="0">
+              <a:rPr lang="ru-RU" sz="1197" dirty="0">
                 <a:solidFill>
                   <a:schemeClr val="bg1"/>
                 </a:solidFill>
@@ -40420,29 +40153,8 @@
                 <a:cs typeface="Montserrat Black"/>
                 <a:sym typeface="Montserrat Black"/>
               </a:rPr>
-              <a:t>1.8 </a:t>
-            </a:r>
-            <a:r>
-              <a:rPr lang="ru-RU" sz="1197" dirty="0" smtClean="0">
-                <a:solidFill>
-                  <a:schemeClr val="bg1"/>
-                </a:solidFill>
-                <a:latin typeface="Montserrat Black"/>
-                <a:ea typeface="Montserrat Black"/>
-                <a:cs typeface="Montserrat Black"/>
-                <a:sym typeface="Montserrat Black"/>
-              </a:rPr>
-              <a:t>Логистическая Регрессия</a:t>
-            </a:r>
-            <a:endParaRPr lang="ru-RU" sz="1197" dirty="0">
-              <a:solidFill>
-                <a:schemeClr val="bg1"/>
-              </a:solidFill>
-              <a:latin typeface="Montserrat Black"/>
-              <a:ea typeface="Montserrat Black"/>
-              <a:cs typeface="Montserrat Black"/>
-              <a:sym typeface="Montserrat Black"/>
-            </a:endParaRPr>
+              <a:t>1.8 Логистическая Регрессия</a:t>
+            </a:r>
           </a:p>
         </p:txBody>
       </p:sp>
@@ -40460,7 +40172,7 @@
 </file>
 
 <file path=ppt/slides/slide8.xml><?xml version="1.0" encoding="utf-8"?>
-<p:sld xmlns:a="http://schemas.openxmlformats.org/drawingml/2006/main" xmlns:r="http://schemas.openxmlformats.org/officeDocument/2006/relationships" xmlns:p="http://schemas.openxmlformats.org/presentationml/2006/main">
+<p:sld xmlns:a="http://schemas.openxmlformats.org/drawingml/2006/main" xmlns:r="http://schemas.openxmlformats.org/officeDocument/2006/relationships" xmlns:p="http://schemas.openxmlformats.org/presentationml/2006/main" show="0">
   <p:cSld>
     <p:spTree>
       <p:nvGrpSpPr>
@@ -40529,7 +40241,7 @@
           <a:p>
             <a:pPr lvl="0" algn="ctr"/>
             <a:r>
-              <a:rPr lang="ru-RU" sz="3600" b="1" dirty="0" smtClean="0">
+              <a:rPr lang="ru-RU" sz="3600" b="1" dirty="0">
                 <a:solidFill>
                   <a:schemeClr val="tx1"/>
                 </a:solidFill>
@@ -40538,19 +40250,7 @@
                 <a:cs typeface="Montserrat Black"/>
                 <a:sym typeface="Montserrat Black"/>
               </a:rPr>
-              <a:t>Логистическая </a:t>
-            </a:r>
-            <a:r>
-              <a:rPr lang="ru-RU" sz="3600" b="1" dirty="0">
-                <a:solidFill>
-                  <a:schemeClr val="tx1"/>
-                </a:solidFill>
-                <a:latin typeface="Montserrat" panose="020B0604020202020204" charset="-52"/>
-                <a:ea typeface="Montserrat Black"/>
-                <a:cs typeface="Montserrat Black"/>
-                <a:sym typeface="Montserrat Black"/>
-              </a:rPr>
-              <a:t>Регрессия на Синтетических данных</a:t>
+              <a:t>Логистическая Регрессия на Синтетических данных</a:t>
             </a:r>
           </a:p>
         </p:txBody>
@@ -40779,19 +40479,12 @@
               <a:rPr lang="en-US" sz="2800" dirty="0">
                 <a:hlinkClick r:id="rId4"/>
               </a:rPr>
-              <a:t>https://</a:t>
-            </a:r>
-            <a:r>
-              <a:rPr lang="en-US" sz="2800" dirty="0" smtClean="0">
-                <a:hlinkClick r:id="rId4"/>
-              </a:rPr>
-              <a:t>colab.research.google.com/drive/1MAliQfLCTMB0pDEGU83hOG9FctK1MuP6?usp=sharing</a:t>
-            </a:r>
-            <a:r>
-              <a:rPr lang="ru-RU" sz="2800" dirty="0" smtClean="0"/>
+              <a:t>https://colab.research.google.com/drive/1MAliQfLCTMB0pDEGU83hOG9FctK1MuP6?usp=sharing</a:t>
+            </a:r>
+            <a:r>
+              <a:rPr lang="ru-RU" sz="2800" dirty="0"/>
               <a:t> </a:t>
             </a:r>
-            <a:endParaRPr lang="ru-RU" sz="2800" dirty="0"/>
           </a:p>
         </p:txBody>
       </p:sp>
@@ -40887,7 +40580,7 @@
 </file>
 
 <file path=ppt/slides/slide9.xml><?xml version="1.0" encoding="utf-8"?>
-<p:sld xmlns:a="http://schemas.openxmlformats.org/drawingml/2006/main" xmlns:r="http://schemas.openxmlformats.org/officeDocument/2006/relationships" xmlns:p="http://schemas.openxmlformats.org/presentationml/2006/main">
+<p:sld xmlns:a="http://schemas.openxmlformats.org/drawingml/2006/main" xmlns:r="http://schemas.openxmlformats.org/officeDocument/2006/relationships" xmlns:p="http://schemas.openxmlformats.org/presentationml/2006/main" show="0">
   <p:cSld>
     <p:spTree>
       <p:nvGrpSpPr>
@@ -40967,20 +40660,11 @@
               </a:rPr>
               <a:t>Логистическая Регрессия на </a:t>
             </a:r>
-            <a:endParaRPr lang="ru-RU" sz="3600" b="1" dirty="0" smtClean="0">
-              <a:solidFill>
-                <a:schemeClr val="tx1"/>
-              </a:solidFill>
-              <a:latin typeface="Montserrat" panose="020B0604020202020204" charset="-52"/>
-              <a:ea typeface="Montserrat Black"/>
-              <a:cs typeface="Montserrat Black"/>
-              <a:sym typeface="Montserrat Black"/>
-            </a:endParaRPr>
           </a:p>
           <a:p>
             <a:pPr lvl="0" algn="ctr"/>
             <a:r>
-              <a:rPr lang="ru-RU" sz="3600" b="1" dirty="0" smtClean="0">
+              <a:rPr lang="ru-RU" sz="3600" b="1" dirty="0">
                 <a:solidFill>
                   <a:schemeClr val="tx1"/>
                 </a:solidFill>
@@ -40991,15 +40675,6 @@
               </a:rPr>
               <a:t>Реальных  данных про Машинки</a:t>
             </a:r>
-            <a:endParaRPr lang="ru-RU" sz="3600" b="1" dirty="0">
-              <a:solidFill>
-                <a:schemeClr val="tx1"/>
-              </a:solidFill>
-              <a:latin typeface="Montserrat" panose="020B0604020202020204" charset="-52"/>
-              <a:ea typeface="Montserrat Black"/>
-              <a:cs typeface="Montserrat Black"/>
-              <a:sym typeface="Montserrat Black"/>
-            </a:endParaRPr>
           </a:p>
         </p:txBody>
       </p:sp>
@@ -41227,19 +40902,12 @@
               <a:rPr lang="en-US" sz="2800" dirty="0">
                 <a:hlinkClick r:id="rId4"/>
               </a:rPr>
-              <a:t>https://</a:t>
-            </a:r>
-            <a:r>
-              <a:rPr lang="en-US" sz="2800" dirty="0" smtClean="0">
-                <a:hlinkClick r:id="rId4"/>
-              </a:rPr>
-              <a:t>colab.research.google.com/drive/168G7II7bMak9Z1WFsnN7XUVhMtXjkx2D?usp=sharing</a:t>
-            </a:r>
-            <a:r>
-              <a:rPr lang="ru-RU" sz="2800" dirty="0" smtClean="0"/>
+              <a:t>https://colab.research.google.com/drive/168G7II7bMak9Z1WFsnN7XUVhMtXjkx2D?usp=sharing</a:t>
+            </a:r>
+            <a:r>
+              <a:rPr lang="ru-RU" sz="2800" dirty="0"/>
               <a:t> </a:t>
             </a:r>
-            <a:endParaRPr lang="ru-RU" sz="2800" dirty="0"/>
           </a:p>
         </p:txBody>
       </p:sp>
